--- a/emf/cdo/project-info/IndigoReview.pptx
+++ b/emf/cdo/project-info/IndigoReview.pptx
@@ -3919,8 +3919,26 @@
               <a:rPr lang="en-US" smtClean="0">
                 <a:hlinkClick r:id="rId3"/>
               </a:rPr>
-              <a:t>http://www.eclipse.org/projects/project-plan.php?planurl=http://www.eclipse.org/modeling/emf/cdo/project-info/plan.xml&amp;component=CDO+Model+Repository</a:t>
-            </a:r>
+              <a:t>http</a:t>
+            </a:r>
+            <a:r>
+              <a:rPr lang="en-US" smtClean="0">
+                <a:hlinkClick r:id="rId3"/>
+              </a:rPr>
+              <a:t>://</a:t>
+            </a:r>
+            <a:r>
+              <a:rPr lang="en-US" smtClean="0">
+                <a:hlinkClick r:id="rId3"/>
+              </a:rPr>
+              <a:t>www.eclipse.org/projects/project-plan.php?projectid=modeling.emf.cdo</a:t>
+            </a:r>
+            <a:endParaRPr lang="en-US" smtClean="0"/>
+          </a:p>
+          <a:p>
+            <a:pPr lvl="1">
+              <a:buNone/>
+            </a:pPr>
             <a:endParaRPr lang="en-US"/>
           </a:p>
         </p:txBody>
